--- a/Modeling techniques.pptx
+++ b/Modeling techniques.pptx
@@ -5,7 +5,7 @@
     <p:sldMasterId id="2147483660" r:id="rId1"/>
   </p:sldMasterIdLst>
   <p:notesMasterIdLst>
-    <p:notesMasterId r:id="rId131"/>
+    <p:notesMasterId r:id="rId147"/>
   </p:notesMasterIdLst>
   <p:sldIdLst>
     <p:sldId id="256" r:id="rId2"/>
@@ -137,6 +137,22 @@
     <p:sldId id="383" r:id="rId128"/>
     <p:sldId id="384" r:id="rId129"/>
     <p:sldId id="385" r:id="rId130"/>
+    <p:sldId id="386" r:id="rId131"/>
+    <p:sldId id="387" r:id="rId132"/>
+    <p:sldId id="388" r:id="rId133"/>
+    <p:sldId id="389" r:id="rId134"/>
+    <p:sldId id="390" r:id="rId135"/>
+    <p:sldId id="391" r:id="rId136"/>
+    <p:sldId id="392" r:id="rId137"/>
+    <p:sldId id="393" r:id="rId138"/>
+    <p:sldId id="394" r:id="rId139"/>
+    <p:sldId id="395" r:id="rId140"/>
+    <p:sldId id="396" r:id="rId141"/>
+    <p:sldId id="397" r:id="rId142"/>
+    <p:sldId id="398" r:id="rId143"/>
+    <p:sldId id="399" r:id="rId144"/>
+    <p:sldId id="400" r:id="rId145"/>
+    <p:sldId id="401" r:id="rId146"/>
   </p:sldIdLst>
   <p:sldSz cx="12192000" cy="6858000"/>
   <p:notesSz cx="6858000" cy="9144000"/>
@@ -235,6 +251,11 @@
       </a:defRPr>
     </a:lvl9pPr>
   </p:defaultTextStyle>
+  <p:extLst>
+    <p:ext uri="{EFAFB233-063F-42B5-8137-9DF3F51BA10A}">
+      <p15:sldGuideLst xmlns:p15="http://schemas.microsoft.com/office/powerpoint/2012/main"/>
+    </p:ext>
+  </p:extLst>
 </p:presentation>
 </file>
 
@@ -320,7 +341,7 @@
           <a:p>
             <a:fld id="{A6C68ABF-5EBB-40D7-A020-B458FBC22808}" type="datetimeFigureOut">
               <a:rPr lang="en-NL" smtClean="0"/>
-              <a:t>05/07/2023</a:t>
+              <a:t>06/07/2023</a:t>
             </a:fld>
             <a:endParaRPr lang="en-NL"/>
           </a:p>
@@ -9583,7 +9604,7 @@
           <a:p>
             <a:fld id="{38BE2D7A-44A6-44B9-80E3-22CF3CC37C79}" type="datetimeFigureOut">
               <a:rPr lang="en-NL" smtClean="0"/>
-              <a:t>04/07/2023</a:t>
+              <a:t>06/07/2023</a:t>
             </a:fld>
             <a:endParaRPr lang="en-NL"/>
           </a:p>
@@ -9790,7 +9811,7 @@
           <a:p>
             <a:fld id="{38BE2D7A-44A6-44B9-80E3-22CF3CC37C79}" type="datetimeFigureOut">
               <a:rPr lang="en-NL" smtClean="0"/>
-              <a:t>04/07/2023</a:t>
+              <a:t>06/07/2023</a:t>
             </a:fld>
             <a:endParaRPr lang="en-NL"/>
           </a:p>
@@ -9970,7 +9991,7 @@
           <a:p>
             <a:fld id="{38BE2D7A-44A6-44B9-80E3-22CF3CC37C79}" type="datetimeFigureOut">
               <a:rPr lang="en-NL" smtClean="0"/>
-              <a:t>04/07/2023</a:t>
+              <a:t>06/07/2023</a:t>
             </a:fld>
             <a:endParaRPr lang="en-NL"/>
           </a:p>
@@ -10175,7 +10196,7 @@
           <a:p>
             <a:fld id="{38BE2D7A-44A6-44B9-80E3-22CF3CC37C79}" type="datetimeFigureOut">
               <a:rPr lang="en-NL" smtClean="0"/>
-              <a:t>04/07/2023</a:t>
+              <a:t>06/07/2023</a:t>
             </a:fld>
             <a:endParaRPr lang="en-NL"/>
           </a:p>
@@ -19073,7 +19094,7 @@
           <a:p>
             <a:fld id="{38BE2D7A-44A6-44B9-80E3-22CF3CC37C79}" type="datetimeFigureOut">
               <a:rPr lang="en-NL" smtClean="0"/>
-              <a:t>04/07/2023</a:t>
+              <a:t>06/07/2023</a:t>
             </a:fld>
             <a:endParaRPr lang="en-NL"/>
           </a:p>
@@ -19347,7 +19368,7 @@
           <a:p>
             <a:fld id="{38BE2D7A-44A6-44B9-80E3-22CF3CC37C79}" type="datetimeFigureOut">
               <a:rPr lang="en-NL" smtClean="0"/>
-              <a:t>04/07/2023</a:t>
+              <a:t>06/07/2023</a:t>
             </a:fld>
             <a:endParaRPr lang="en-NL"/>
           </a:p>
@@ -19745,7 +19766,7 @@
           <a:p>
             <a:fld id="{38BE2D7A-44A6-44B9-80E3-22CF3CC37C79}" type="datetimeFigureOut">
               <a:rPr lang="en-NL" smtClean="0"/>
-              <a:t>04/07/2023</a:t>
+              <a:t>06/07/2023</a:t>
             </a:fld>
             <a:endParaRPr lang="en-NL"/>
           </a:p>
@@ -19863,7 +19884,7 @@
           <a:p>
             <a:fld id="{38BE2D7A-44A6-44B9-80E3-22CF3CC37C79}" type="datetimeFigureOut">
               <a:rPr lang="en-NL" smtClean="0"/>
-              <a:t>04/07/2023</a:t>
+              <a:t>06/07/2023</a:t>
             </a:fld>
             <a:endParaRPr lang="en-NL"/>
           </a:p>
@@ -19958,7 +19979,7 @@
           <a:p>
             <a:fld id="{38BE2D7A-44A6-44B9-80E3-22CF3CC37C79}" type="datetimeFigureOut">
               <a:rPr lang="en-NL" smtClean="0"/>
-              <a:t>04/07/2023</a:t>
+              <a:t>06/07/2023</a:t>
             </a:fld>
             <a:endParaRPr lang="en-NL"/>
           </a:p>
@@ -20248,7 +20269,7 @@
           <a:p>
             <a:fld id="{38BE2D7A-44A6-44B9-80E3-22CF3CC37C79}" type="datetimeFigureOut">
               <a:rPr lang="en-NL" smtClean="0"/>
-              <a:t>04/07/2023</a:t>
+              <a:t>06/07/2023</a:t>
             </a:fld>
             <a:endParaRPr lang="en-NL"/>
           </a:p>
@@ -20528,7 +20549,7 @@
           <a:p>
             <a:fld id="{38BE2D7A-44A6-44B9-80E3-22CF3CC37C79}" type="datetimeFigureOut">
               <a:rPr lang="en-NL" smtClean="0"/>
-              <a:t>04/07/2023</a:t>
+              <a:t>06/07/2023</a:t>
             </a:fld>
             <a:endParaRPr lang="en-NL"/>
           </a:p>
@@ -20778,7 +20799,7 @@
           <a:p>
             <a:fld id="{38BE2D7A-44A6-44B9-80E3-22CF3CC37C79}" type="datetimeFigureOut">
               <a:rPr lang="en-NL" smtClean="0"/>
-              <a:t>04/07/2023</a:t>
+              <a:t>06/07/2023</a:t>
             </a:fld>
             <a:endParaRPr lang="en-NL"/>
           </a:p>
@@ -25018,6 +25039,1146 @@
 </p:sld>
 </file>
 
+<file path=ppt/slides/slide130.xml><?xml version="1.0" encoding="utf-8"?>
+<p:sld xmlns:a="http://schemas.openxmlformats.org/drawingml/2006/main" xmlns:r="http://schemas.openxmlformats.org/officeDocument/2006/relationships" xmlns:p="http://schemas.openxmlformats.org/presentationml/2006/main">
+  <p:cSld>
+    <p:spTree>
+      <p:nvGrpSpPr>
+        <p:cNvPr id="1" name=""/>
+        <p:cNvGrpSpPr/>
+        <p:nvPr/>
+      </p:nvGrpSpPr>
+      <p:grpSpPr>
+        <a:xfrm>
+          <a:off x="0" y="0"/>
+          <a:ext cx="0" cy="0"/>
+          <a:chOff x="0" y="0"/>
+          <a:chExt cx="0" cy="0"/>
+        </a:xfrm>
+      </p:grpSpPr>
+      <p:sp>
+        <p:nvSpPr>
+          <p:cNvPr id="2" name="Title 1">
+            <a:extLst>
+              <a:ext uri="{FF2B5EF4-FFF2-40B4-BE49-F238E27FC236}">
+                <a16:creationId xmlns:a16="http://schemas.microsoft.com/office/drawing/2014/main" id="{D19666AE-5911-10DF-5F1D-0FBFC3C54E60}"/>
+              </a:ext>
+            </a:extLst>
+          </p:cNvPr>
+          <p:cNvSpPr>
+            <a:spLocks noGrp="1"/>
+          </p:cNvSpPr>
+          <p:nvPr>
+            <p:ph type="title"/>
+          </p:nvPr>
+        </p:nvSpPr>
+        <p:spPr/>
+        <p:txBody>
+          <a:bodyPr/>
+          <a:lstStyle/>
+          <a:p>
+            <a:r>
+              <a:rPr lang="nl-NL" dirty="0"/>
+              <a:t>Attributes with Embedded Meaning</a:t>
+            </a:r>
+            <a:endParaRPr lang="en-NL" dirty="0"/>
+          </a:p>
+        </p:txBody>
+      </p:sp>
+      <p:sp>
+        <p:nvSpPr>
+          <p:cNvPr id="3" name="Content Placeholder 2">
+            <a:extLst>
+              <a:ext uri="{FF2B5EF4-FFF2-40B4-BE49-F238E27FC236}">
+                <a16:creationId xmlns:a16="http://schemas.microsoft.com/office/drawing/2014/main" id="{A1873BBF-C191-FDF0-9C95-307D2B1051A7}"/>
+              </a:ext>
+            </a:extLst>
+          </p:cNvPr>
+          <p:cNvSpPr>
+            <a:spLocks noGrp="1"/>
+          </p:cNvSpPr>
+          <p:nvPr>
+            <p:ph idx="1"/>
+          </p:nvPr>
+        </p:nvSpPr>
+        <p:spPr/>
+        <p:txBody>
+          <a:bodyPr/>
+          <a:lstStyle/>
+          <a:p>
+            <a:r>
+              <a:rPr lang="en-US" dirty="0"/>
+              <a:t>Often operational product codes, identified in the dimension table by the NK notation for natural key, have embedded meaning with different parts of the code representing significant characteristics of the product. In this case, the multipart attribute should be both preserved in its entirety within the dimension table, as well as broken down into its component parts, which are handled as separate attributes. For example, if the fifth through ninth characters in the operational code identify the manufacturer, the manufacturer’s name should also be included as a dimension table attribute.</a:t>
+            </a:r>
+            <a:endParaRPr lang="en-NL" dirty="0"/>
+          </a:p>
+        </p:txBody>
+      </p:sp>
+    </p:spTree>
+    <p:extLst>
+      <p:ext uri="{BB962C8B-B14F-4D97-AF65-F5344CB8AC3E}">
+        <p14:creationId xmlns:p14="http://schemas.microsoft.com/office/powerpoint/2010/main" val="1151301840"/>
+      </p:ext>
+    </p:extLst>
+  </p:cSld>
+  <p:clrMapOvr>
+    <a:masterClrMapping/>
+  </p:clrMapOvr>
+</p:sld>
+</file>
+
+<file path=ppt/slides/slide131.xml><?xml version="1.0" encoding="utf-8"?>
+<p:sld xmlns:a="http://schemas.openxmlformats.org/drawingml/2006/main" xmlns:r="http://schemas.openxmlformats.org/officeDocument/2006/relationships" xmlns:p="http://schemas.openxmlformats.org/presentationml/2006/main">
+  <p:cSld>
+    <p:spTree>
+      <p:nvGrpSpPr>
+        <p:cNvPr id="1" name=""/>
+        <p:cNvGrpSpPr/>
+        <p:nvPr/>
+      </p:nvGrpSpPr>
+      <p:grpSpPr>
+        <a:xfrm>
+          <a:off x="0" y="0"/>
+          <a:ext cx="0" cy="0"/>
+          <a:chOff x="0" y="0"/>
+          <a:chExt cx="0" cy="0"/>
+        </a:xfrm>
+      </p:grpSpPr>
+      <p:sp>
+        <p:nvSpPr>
+          <p:cNvPr id="2" name="Title 1">
+            <a:extLst>
+              <a:ext uri="{FF2B5EF4-FFF2-40B4-BE49-F238E27FC236}">
+                <a16:creationId xmlns:a16="http://schemas.microsoft.com/office/drawing/2014/main" id="{02CE80AE-1174-0A5D-34E6-B9C17F6E37B8}"/>
+              </a:ext>
+            </a:extLst>
+          </p:cNvPr>
+          <p:cNvSpPr>
+            <a:spLocks noGrp="1"/>
+          </p:cNvSpPr>
+          <p:nvPr>
+            <p:ph type="title"/>
+          </p:nvPr>
+        </p:nvSpPr>
+        <p:spPr/>
+        <p:txBody>
+          <a:bodyPr/>
+          <a:lstStyle/>
+          <a:p>
+            <a:r>
+              <a:rPr lang="en-US" dirty="0"/>
+              <a:t>Numeric Values as Attributes or Facts</a:t>
+            </a:r>
+            <a:endParaRPr lang="en-NL" dirty="0"/>
+          </a:p>
+        </p:txBody>
+      </p:sp>
+      <p:sp>
+        <p:nvSpPr>
+          <p:cNvPr id="3" name="Content Placeholder 2">
+            <a:extLst>
+              <a:ext uri="{FF2B5EF4-FFF2-40B4-BE49-F238E27FC236}">
+                <a16:creationId xmlns:a16="http://schemas.microsoft.com/office/drawing/2014/main" id="{321D4C3B-2EE7-1814-9CEE-C1ACDB16D68E}"/>
+              </a:ext>
+            </a:extLst>
+          </p:cNvPr>
+          <p:cNvSpPr>
+            <a:spLocks noGrp="1"/>
+          </p:cNvSpPr>
+          <p:nvPr>
+            <p:ph idx="1"/>
+          </p:nvPr>
+        </p:nvSpPr>
+        <p:spPr/>
+        <p:txBody>
+          <a:bodyPr>
+            <a:normAutofit/>
+          </a:bodyPr>
+          <a:lstStyle/>
+          <a:p>
+            <a:r>
+              <a:rPr lang="en-US" dirty="0"/>
+              <a:t>You will sometimes encounter numeric values that don’t clearly fall into either the fact or dimension attribute categories. A classic example is the standard list price for a product. It’s definitely a numeric value, so the initial instinct is to place it in the fact table. But typically the standard price changes infrequently, unlike most facts that are often differently valued on every measurement event. </a:t>
+            </a:r>
+          </a:p>
+          <a:p>
+            <a:r>
+              <a:rPr lang="en-US" dirty="0"/>
+              <a:t>If the numeric value is used primarily for calculation purposes, it likely belongs in the fact table. Because standard price is non-additive, you might multiply it by the quantity for an extended amount which would be additive. Alternatively, if the standard price is used primarily for price variance analysis, perhaps the variance metric should be stored in the fact table instead. If the stable numeric value is used predominantly for filtering and grouping, it should be treated as a product dimension attribute.</a:t>
+            </a:r>
+            <a:endParaRPr lang="en-NL" dirty="0"/>
+          </a:p>
+        </p:txBody>
+      </p:sp>
+    </p:spTree>
+    <p:extLst>
+      <p:ext uri="{BB962C8B-B14F-4D97-AF65-F5344CB8AC3E}">
+        <p14:creationId xmlns:p14="http://schemas.microsoft.com/office/powerpoint/2010/main" val="944583648"/>
+      </p:ext>
+    </p:extLst>
+  </p:cSld>
+  <p:clrMapOvr>
+    <a:masterClrMapping/>
+  </p:clrMapOvr>
+</p:sld>
+</file>
+
+<file path=ppt/slides/slide132.xml><?xml version="1.0" encoding="utf-8"?>
+<p:sld xmlns:a="http://schemas.openxmlformats.org/drawingml/2006/main" xmlns:r="http://schemas.openxmlformats.org/officeDocument/2006/relationships" xmlns:p="http://schemas.openxmlformats.org/presentationml/2006/main">
+  <p:cSld>
+    <p:spTree>
+      <p:nvGrpSpPr>
+        <p:cNvPr id="1" name=""/>
+        <p:cNvGrpSpPr/>
+        <p:nvPr/>
+      </p:nvGrpSpPr>
+      <p:grpSpPr>
+        <a:xfrm>
+          <a:off x="0" y="0"/>
+          <a:ext cx="0" cy="0"/>
+          <a:chOff x="0" y="0"/>
+          <a:chExt cx="0" cy="0"/>
+        </a:xfrm>
+      </p:grpSpPr>
+      <p:sp>
+        <p:nvSpPr>
+          <p:cNvPr id="2" name="Title 1">
+            <a:extLst>
+              <a:ext uri="{FF2B5EF4-FFF2-40B4-BE49-F238E27FC236}">
+                <a16:creationId xmlns:a16="http://schemas.microsoft.com/office/drawing/2014/main" id="{6EB64B1E-D4C3-B125-E9B3-2FC92716C16B}"/>
+              </a:ext>
+            </a:extLst>
+          </p:cNvPr>
+          <p:cNvSpPr>
+            <a:spLocks noGrp="1"/>
+          </p:cNvSpPr>
+          <p:nvPr>
+            <p:ph type="title"/>
+          </p:nvPr>
+        </p:nvSpPr>
+        <p:spPr/>
+        <p:txBody>
+          <a:bodyPr/>
+          <a:lstStyle/>
+          <a:p>
+            <a:r>
+              <a:rPr lang="en-US" dirty="0"/>
+              <a:t>Numeric Values as Attributes or Facts</a:t>
+            </a:r>
+            <a:endParaRPr lang="en-NL" dirty="0"/>
+          </a:p>
+        </p:txBody>
+      </p:sp>
+      <p:sp>
+        <p:nvSpPr>
+          <p:cNvPr id="3" name="Content Placeholder 2">
+            <a:extLst>
+              <a:ext uri="{FF2B5EF4-FFF2-40B4-BE49-F238E27FC236}">
+                <a16:creationId xmlns:a16="http://schemas.microsoft.com/office/drawing/2014/main" id="{350F3BFF-F0D2-CF65-B30A-4A1993339124}"/>
+              </a:ext>
+            </a:extLst>
+          </p:cNvPr>
+          <p:cNvSpPr>
+            <a:spLocks noGrp="1"/>
+          </p:cNvSpPr>
+          <p:nvPr>
+            <p:ph idx="1"/>
+          </p:nvPr>
+        </p:nvSpPr>
+        <p:spPr/>
+        <p:txBody>
+          <a:bodyPr/>
+          <a:lstStyle/>
+          <a:p>
+            <a:r>
+              <a:rPr lang="en-US" dirty="0"/>
+              <a:t>Sometimes numeric values serve both calculation and filtering/grouping functions. In these cases, you should store the value in both the fact and dimension tables. Perhaps the standard price in the fact table represents the valuation at the time of the sales transaction, whereas the dimension attribute is labeled to indicate it’s the current standard price.</a:t>
+            </a:r>
+            <a:endParaRPr lang="en-NL" dirty="0"/>
+          </a:p>
+        </p:txBody>
+      </p:sp>
+      <p:pic>
+        <p:nvPicPr>
+          <p:cNvPr id="5" name="Picture 4">
+            <a:extLst>
+              <a:ext uri="{FF2B5EF4-FFF2-40B4-BE49-F238E27FC236}">
+                <a16:creationId xmlns:a16="http://schemas.microsoft.com/office/drawing/2014/main" id="{457CDBF7-74C2-257F-1936-95A2C39F4699}"/>
+              </a:ext>
+            </a:extLst>
+          </p:cNvPr>
+          <p:cNvPicPr>
+            <a:picLocks noChangeAspect="1"/>
+          </p:cNvPicPr>
+          <p:nvPr/>
+        </p:nvPicPr>
+        <p:blipFill>
+          <a:blip r:embed="rId2"/>
+          <a:stretch>
+            <a:fillRect/>
+          </a:stretch>
+        </p:blipFill>
+        <p:spPr>
+          <a:xfrm>
+            <a:off x="1024128" y="4058271"/>
+            <a:ext cx="6753473" cy="1964842"/>
+          </a:xfrm>
+          <a:prstGeom prst="rect">
+            <a:avLst/>
+          </a:prstGeom>
+        </p:spPr>
+      </p:pic>
+    </p:spTree>
+    <p:extLst>
+      <p:ext uri="{BB962C8B-B14F-4D97-AF65-F5344CB8AC3E}">
+        <p14:creationId xmlns:p14="http://schemas.microsoft.com/office/powerpoint/2010/main" val="981424253"/>
+      </p:ext>
+    </p:extLst>
+  </p:cSld>
+  <p:clrMapOvr>
+    <a:masterClrMapping/>
+  </p:clrMapOvr>
+</p:sld>
+</file>
+
+<file path=ppt/slides/slide133.xml><?xml version="1.0" encoding="utf-8"?>
+<p:sld xmlns:a="http://schemas.openxmlformats.org/drawingml/2006/main" xmlns:r="http://schemas.openxmlformats.org/officeDocument/2006/relationships" xmlns:p="http://schemas.openxmlformats.org/presentationml/2006/main">
+  <p:cSld>
+    <p:spTree>
+      <p:nvGrpSpPr>
+        <p:cNvPr id="1" name=""/>
+        <p:cNvGrpSpPr/>
+        <p:nvPr/>
+      </p:nvGrpSpPr>
+      <p:grpSpPr>
+        <a:xfrm>
+          <a:off x="0" y="0"/>
+          <a:ext cx="0" cy="0"/>
+          <a:chOff x="0" y="0"/>
+          <a:chExt cx="0" cy="0"/>
+        </a:xfrm>
+      </p:grpSpPr>
+      <p:sp>
+        <p:nvSpPr>
+          <p:cNvPr id="2" name="Title 1">
+            <a:extLst>
+              <a:ext uri="{FF2B5EF4-FFF2-40B4-BE49-F238E27FC236}">
+                <a16:creationId xmlns:a16="http://schemas.microsoft.com/office/drawing/2014/main" id="{979A5C4D-F58B-14D5-EC12-84A5063F098A}"/>
+              </a:ext>
+            </a:extLst>
+          </p:cNvPr>
+          <p:cNvSpPr>
+            <a:spLocks noGrp="1"/>
+          </p:cNvSpPr>
+          <p:nvPr>
+            <p:ph type="title"/>
+          </p:nvPr>
+        </p:nvSpPr>
+        <p:spPr/>
+        <p:txBody>
+          <a:bodyPr/>
+          <a:lstStyle/>
+          <a:p>
+            <a:r>
+              <a:rPr lang="en-US" dirty="0"/>
+              <a:t>Drilling Down on Dimension Attributes</a:t>
+            </a:r>
+            <a:endParaRPr lang="en-NL" dirty="0"/>
+          </a:p>
+        </p:txBody>
+      </p:sp>
+      <p:sp>
+        <p:nvSpPr>
+          <p:cNvPr id="3" name="Content Placeholder 2">
+            <a:extLst>
+              <a:ext uri="{FF2B5EF4-FFF2-40B4-BE49-F238E27FC236}">
+                <a16:creationId xmlns:a16="http://schemas.microsoft.com/office/drawing/2014/main" id="{B5E1140C-30AD-C5F1-832B-4C3355F8D09A}"/>
+              </a:ext>
+            </a:extLst>
+          </p:cNvPr>
+          <p:cNvSpPr>
+            <a:spLocks noGrp="1"/>
+          </p:cNvSpPr>
+          <p:nvPr>
+            <p:ph idx="1"/>
+          </p:nvPr>
+        </p:nvSpPr>
+        <p:spPr/>
+        <p:txBody>
+          <a:bodyPr>
+            <a:normAutofit/>
+          </a:bodyPr>
+          <a:lstStyle/>
+          <a:p>
+            <a:r>
+              <a:rPr lang="en-US" dirty="0"/>
+              <a:t>A reasonable product dimension table can have 50 or more descriptive attributes. Each attribute is a rich source for constraining and constructing row header labels. Drilling down is nothing more than asking for a row header from a dimension that provides more information. Let’s say you have a simple report summarizing the sales dollar amount by department. As illustrated in Figure 3-9, if you want to drill down, you can drag any other attribute, such as brand, from the product dimension into the report next to department, and you can automatically drill down to this next level of detail. You could drill down by the fat content attribute, even though it isn’t in the merchandise hierarchy rollup.</a:t>
+            </a:r>
+            <a:endParaRPr lang="en-NL" dirty="0"/>
+          </a:p>
+        </p:txBody>
+      </p:sp>
+      <p:pic>
+        <p:nvPicPr>
+          <p:cNvPr id="5" name="Picture 4">
+            <a:extLst>
+              <a:ext uri="{FF2B5EF4-FFF2-40B4-BE49-F238E27FC236}">
+                <a16:creationId xmlns:a16="http://schemas.microsoft.com/office/drawing/2014/main" id="{CA99E9AB-0619-317C-E623-8F3DF65A02E7}"/>
+              </a:ext>
+            </a:extLst>
+          </p:cNvPr>
+          <p:cNvPicPr>
+            <a:picLocks noChangeAspect="1"/>
+          </p:cNvPicPr>
+          <p:nvPr/>
+        </p:nvPicPr>
+        <p:blipFill>
+          <a:blip r:embed="rId2"/>
+          <a:stretch>
+            <a:fillRect/>
+          </a:stretch>
+        </p:blipFill>
+        <p:spPr>
+          <a:xfrm>
+            <a:off x="1024128" y="5156835"/>
+            <a:ext cx="6895266" cy="1273782"/>
+          </a:xfrm>
+          <a:prstGeom prst="rect">
+            <a:avLst/>
+          </a:prstGeom>
+        </p:spPr>
+      </p:pic>
+    </p:spTree>
+    <p:extLst>
+      <p:ext uri="{BB962C8B-B14F-4D97-AF65-F5344CB8AC3E}">
+        <p14:creationId xmlns:p14="http://schemas.microsoft.com/office/powerpoint/2010/main" val="2091014732"/>
+      </p:ext>
+    </p:extLst>
+  </p:cSld>
+  <p:clrMapOvr>
+    <a:masterClrMapping/>
+  </p:clrMapOvr>
+</p:sld>
+</file>
+
+<file path=ppt/slides/slide134.xml><?xml version="1.0" encoding="utf-8"?>
+<p:sld xmlns:a="http://schemas.openxmlformats.org/drawingml/2006/main" xmlns:r="http://schemas.openxmlformats.org/officeDocument/2006/relationships" xmlns:p="http://schemas.openxmlformats.org/presentationml/2006/main">
+  <p:cSld>
+    <p:spTree>
+      <p:nvGrpSpPr>
+        <p:cNvPr id="1" name=""/>
+        <p:cNvGrpSpPr/>
+        <p:nvPr/>
+      </p:nvGrpSpPr>
+      <p:grpSpPr>
+        <a:xfrm>
+          <a:off x="0" y="0"/>
+          <a:ext cx="0" cy="0"/>
+          <a:chOff x="0" y="0"/>
+          <a:chExt cx="0" cy="0"/>
+        </a:xfrm>
+      </p:grpSpPr>
+      <p:sp>
+        <p:nvSpPr>
+          <p:cNvPr id="2" name="Title 1">
+            <a:extLst>
+              <a:ext uri="{FF2B5EF4-FFF2-40B4-BE49-F238E27FC236}">
+                <a16:creationId xmlns:a16="http://schemas.microsoft.com/office/drawing/2014/main" id="{473AB098-20B4-DD77-1065-3044FE83C982}"/>
+              </a:ext>
+            </a:extLst>
+          </p:cNvPr>
+          <p:cNvSpPr>
+            <a:spLocks noGrp="1"/>
+          </p:cNvSpPr>
+          <p:nvPr>
+            <p:ph type="title"/>
+          </p:nvPr>
+        </p:nvSpPr>
+        <p:spPr/>
+        <p:txBody>
+          <a:bodyPr/>
+          <a:lstStyle/>
+          <a:p>
+            <a:r>
+              <a:rPr lang="en-US" dirty="0"/>
+              <a:t> </a:t>
+            </a:r>
+            <a:endParaRPr lang="en-NL" dirty="0"/>
+          </a:p>
+        </p:txBody>
+      </p:sp>
+      <p:sp>
+        <p:nvSpPr>
+          <p:cNvPr id="3" name="Content Placeholder 2">
+            <a:extLst>
+              <a:ext uri="{FF2B5EF4-FFF2-40B4-BE49-F238E27FC236}">
+                <a16:creationId xmlns:a16="http://schemas.microsoft.com/office/drawing/2014/main" id="{26A25632-4868-6363-8CF4-B10E61D8EC29}"/>
+              </a:ext>
+            </a:extLst>
+          </p:cNvPr>
+          <p:cNvSpPr>
+            <a:spLocks noGrp="1"/>
+          </p:cNvSpPr>
+          <p:nvPr>
+            <p:ph idx="1"/>
+          </p:nvPr>
+        </p:nvSpPr>
+        <p:spPr>
+          <a:xfrm>
+            <a:off x="1024128" y="745435"/>
+            <a:ext cx="9720073" cy="5563925"/>
+          </a:xfrm>
+        </p:spPr>
+        <p:txBody>
+          <a:bodyPr/>
+          <a:lstStyle/>
+          <a:p>
+            <a:r>
+              <a:rPr lang="en-US" dirty="0"/>
+              <a:t>The product dimension is a common dimension in many dimensional models. Great care should be taken to fill this dimension with as many descriptive attributes as possible. A robust and complete set of dimension attributes translates into robust and complete analysis capabilities for the business users. </a:t>
+            </a:r>
+            <a:endParaRPr lang="en-NL" dirty="0"/>
+          </a:p>
+        </p:txBody>
+      </p:sp>
+      <p:pic>
+        <p:nvPicPr>
+          <p:cNvPr id="5" name="Picture 4">
+            <a:extLst>
+              <a:ext uri="{FF2B5EF4-FFF2-40B4-BE49-F238E27FC236}">
+                <a16:creationId xmlns:a16="http://schemas.microsoft.com/office/drawing/2014/main" id="{9BCF6614-B8B6-6C1F-D85E-59F5D935922D}"/>
+              </a:ext>
+            </a:extLst>
+          </p:cNvPr>
+          <p:cNvPicPr>
+            <a:picLocks noChangeAspect="1"/>
+          </p:cNvPicPr>
+          <p:nvPr/>
+        </p:nvPicPr>
+        <p:blipFill>
+          <a:blip r:embed="rId2"/>
+          <a:stretch>
+            <a:fillRect/>
+          </a:stretch>
+        </p:blipFill>
+        <p:spPr>
+          <a:xfrm>
+            <a:off x="1057258" y="2447718"/>
+            <a:ext cx="4265603" cy="3545578"/>
+          </a:xfrm>
+          <a:prstGeom prst="rect">
+            <a:avLst/>
+          </a:prstGeom>
+        </p:spPr>
+      </p:pic>
+      <p:pic>
+        <p:nvPicPr>
+          <p:cNvPr id="7" name="Picture 6">
+            <a:extLst>
+              <a:ext uri="{FF2B5EF4-FFF2-40B4-BE49-F238E27FC236}">
+                <a16:creationId xmlns:a16="http://schemas.microsoft.com/office/drawing/2014/main" id="{D4ABBB23-7A27-4F49-1F4B-4F0976CC9AE9}"/>
+              </a:ext>
+            </a:extLst>
+          </p:cNvPr>
+          <p:cNvPicPr>
+            <a:picLocks noChangeAspect="1"/>
+          </p:cNvPicPr>
+          <p:nvPr/>
+        </p:nvPicPr>
+        <p:blipFill>
+          <a:blip r:embed="rId3"/>
+          <a:stretch>
+            <a:fillRect/>
+          </a:stretch>
+        </p:blipFill>
+        <p:spPr>
+          <a:xfrm>
+            <a:off x="5753306" y="2447718"/>
+            <a:ext cx="4750328" cy="2183917"/>
+          </a:xfrm>
+          <a:prstGeom prst="rect">
+            <a:avLst/>
+          </a:prstGeom>
+        </p:spPr>
+      </p:pic>
+    </p:spTree>
+    <p:extLst>
+      <p:ext uri="{BB962C8B-B14F-4D97-AF65-F5344CB8AC3E}">
+        <p14:creationId xmlns:p14="http://schemas.microsoft.com/office/powerpoint/2010/main" val="1876337068"/>
+      </p:ext>
+    </p:extLst>
+  </p:cSld>
+  <p:clrMapOvr>
+    <a:masterClrMapping/>
+  </p:clrMapOvr>
+</p:sld>
+</file>
+
+<file path=ppt/slides/slide135.xml><?xml version="1.0" encoding="utf-8"?>
+<p:sld xmlns:a="http://schemas.openxmlformats.org/drawingml/2006/main" xmlns:r="http://schemas.openxmlformats.org/officeDocument/2006/relationships" xmlns:p="http://schemas.openxmlformats.org/presentationml/2006/main">
+  <p:cSld>
+    <p:spTree>
+      <p:nvGrpSpPr>
+        <p:cNvPr id="1" name=""/>
+        <p:cNvGrpSpPr/>
+        <p:nvPr/>
+      </p:nvGrpSpPr>
+      <p:grpSpPr>
+        <a:xfrm>
+          <a:off x="0" y="0"/>
+          <a:ext cx="0" cy="0"/>
+          <a:chOff x="0" y="0"/>
+          <a:chExt cx="0" cy="0"/>
+        </a:xfrm>
+      </p:grpSpPr>
+      <p:sp>
+        <p:nvSpPr>
+          <p:cNvPr id="2" name="Title 1">
+            <a:extLst>
+              <a:ext uri="{FF2B5EF4-FFF2-40B4-BE49-F238E27FC236}">
+                <a16:creationId xmlns:a16="http://schemas.microsoft.com/office/drawing/2014/main" id="{8440A024-C1C9-9A2E-1498-74709B444521}"/>
+              </a:ext>
+            </a:extLst>
+          </p:cNvPr>
+          <p:cNvSpPr>
+            <a:spLocks noGrp="1"/>
+          </p:cNvSpPr>
+          <p:nvPr>
+            <p:ph type="title"/>
+          </p:nvPr>
+        </p:nvSpPr>
+        <p:spPr/>
+        <p:txBody>
+          <a:bodyPr/>
+          <a:lstStyle/>
+          <a:p>
+            <a:r>
+              <a:rPr lang="nl-NL" dirty="0"/>
+              <a:t>Store Dimension</a:t>
+            </a:r>
+            <a:endParaRPr lang="en-NL" dirty="0"/>
+          </a:p>
+        </p:txBody>
+      </p:sp>
+      <p:sp>
+        <p:nvSpPr>
+          <p:cNvPr id="3" name="Content Placeholder 2">
+            <a:extLst>
+              <a:ext uri="{FF2B5EF4-FFF2-40B4-BE49-F238E27FC236}">
+                <a16:creationId xmlns:a16="http://schemas.microsoft.com/office/drawing/2014/main" id="{3580F38C-F8DA-2B2F-4113-33FB13C130CC}"/>
+              </a:ext>
+            </a:extLst>
+          </p:cNvPr>
+          <p:cNvSpPr>
+            <a:spLocks noGrp="1"/>
+          </p:cNvSpPr>
+          <p:nvPr>
+            <p:ph idx="1"/>
+          </p:nvPr>
+        </p:nvSpPr>
+        <p:spPr/>
+        <p:txBody>
+          <a:bodyPr/>
+          <a:lstStyle/>
+          <a:p>
+            <a:r>
+              <a:rPr lang="en-US" dirty="0"/>
+              <a:t>The store dimension describes every store in the grocery chain. Unlike the product master file that is almost guaranteed to be available in every large grocery business, there may not be a comprehensive store master file. POS systems may simply supply a store number on the transaction records. In these cases, project teams must assemble the necessary components of the store dimension from multiple operational sources. Often there will be a store real estate department at headquarters who will help define a detailed store master file.</a:t>
+            </a:r>
+            <a:endParaRPr lang="en-NL" dirty="0"/>
+          </a:p>
+        </p:txBody>
+      </p:sp>
+    </p:spTree>
+    <p:extLst>
+      <p:ext uri="{BB962C8B-B14F-4D97-AF65-F5344CB8AC3E}">
+        <p14:creationId xmlns:p14="http://schemas.microsoft.com/office/powerpoint/2010/main" val="2361984428"/>
+      </p:ext>
+    </p:extLst>
+  </p:cSld>
+  <p:clrMapOvr>
+    <a:masterClrMapping/>
+  </p:clrMapOvr>
+</p:sld>
+</file>
+
+<file path=ppt/slides/slide136.xml><?xml version="1.0" encoding="utf-8"?>
+<p:sld xmlns:a="http://schemas.openxmlformats.org/drawingml/2006/main" xmlns:r="http://schemas.openxmlformats.org/officeDocument/2006/relationships" xmlns:p="http://schemas.openxmlformats.org/presentationml/2006/main">
+  <p:cSld>
+    <p:spTree>
+      <p:nvGrpSpPr>
+        <p:cNvPr id="1" name=""/>
+        <p:cNvGrpSpPr/>
+        <p:nvPr/>
+      </p:nvGrpSpPr>
+      <p:grpSpPr>
+        <a:xfrm>
+          <a:off x="0" y="0"/>
+          <a:ext cx="0" cy="0"/>
+          <a:chOff x="0" y="0"/>
+          <a:chExt cx="0" cy="0"/>
+        </a:xfrm>
+      </p:grpSpPr>
+      <p:sp>
+        <p:nvSpPr>
+          <p:cNvPr id="2" name="Title 1">
+            <a:extLst>
+              <a:ext uri="{FF2B5EF4-FFF2-40B4-BE49-F238E27FC236}">
+                <a16:creationId xmlns:a16="http://schemas.microsoft.com/office/drawing/2014/main" id="{FFACBA79-3302-D95C-5613-D9268CCAAE55}"/>
+              </a:ext>
+            </a:extLst>
+          </p:cNvPr>
+          <p:cNvSpPr>
+            <a:spLocks noGrp="1"/>
+          </p:cNvSpPr>
+          <p:nvPr>
+            <p:ph type="title"/>
+          </p:nvPr>
+        </p:nvSpPr>
+        <p:spPr/>
+        <p:txBody>
+          <a:bodyPr/>
+          <a:lstStyle/>
+          <a:p>
+            <a:r>
+              <a:rPr lang="fr-FR" dirty="0"/>
+              <a:t>Multiple </a:t>
+            </a:r>
+            <a:r>
+              <a:rPr lang="fr-FR" dirty="0" err="1"/>
+              <a:t>Hierarchies</a:t>
+            </a:r>
+            <a:r>
+              <a:rPr lang="fr-FR" dirty="0"/>
+              <a:t> in Dimension Tables</a:t>
+            </a:r>
+            <a:endParaRPr lang="en-NL" dirty="0"/>
+          </a:p>
+        </p:txBody>
+      </p:sp>
+      <p:sp>
+        <p:nvSpPr>
+          <p:cNvPr id="3" name="Content Placeholder 2">
+            <a:extLst>
+              <a:ext uri="{FF2B5EF4-FFF2-40B4-BE49-F238E27FC236}">
+                <a16:creationId xmlns:a16="http://schemas.microsoft.com/office/drawing/2014/main" id="{A307C6A0-9E71-6F05-56BC-DB6A5941AC0E}"/>
+              </a:ext>
+            </a:extLst>
+          </p:cNvPr>
+          <p:cNvSpPr>
+            <a:spLocks noGrp="1"/>
+          </p:cNvSpPr>
+          <p:nvPr>
+            <p:ph idx="1"/>
+          </p:nvPr>
+        </p:nvSpPr>
+        <p:spPr/>
+        <p:txBody>
+          <a:bodyPr>
+            <a:normAutofit/>
+          </a:bodyPr>
+          <a:lstStyle/>
+          <a:p>
+            <a:r>
+              <a:rPr lang="en-US" dirty="0"/>
+              <a:t>The store dimension is the case study’s primary geographic dimension. Each store can be thought of as a location. You can roll stores up to any geographic attribute, such as ZIP code, county, and state in the United States. Contrary to popular belief, cities and states within the United States are not a hierarchy. Since many states have identically named cities, you’ll want to include a City-State attribute in the store dimension. </a:t>
+            </a:r>
+          </a:p>
+          <a:p>
+            <a:r>
+              <a:rPr lang="en-US" dirty="0"/>
+              <a:t>Stores likely also roll up an internal organization hierarchy consisting of store districts and regions. These two different store hierarchies are both easily represented in the dimension because both the geographic and organizational hierarchies are well defined for a single store row. </a:t>
+            </a:r>
+            <a:endParaRPr lang="en-NL" dirty="0"/>
+          </a:p>
+        </p:txBody>
+      </p:sp>
+      <p:pic>
+        <p:nvPicPr>
+          <p:cNvPr id="5" name="Picture 4">
+            <a:extLst>
+              <a:ext uri="{FF2B5EF4-FFF2-40B4-BE49-F238E27FC236}">
+                <a16:creationId xmlns:a16="http://schemas.microsoft.com/office/drawing/2014/main" id="{4AA2EDF4-1EC1-1B13-5630-76BF26C0B654}"/>
+              </a:ext>
+            </a:extLst>
+          </p:cNvPr>
+          <p:cNvPicPr>
+            <a:picLocks noChangeAspect="1"/>
+          </p:cNvPicPr>
+          <p:nvPr/>
+        </p:nvPicPr>
+        <p:blipFill>
+          <a:blip r:embed="rId2"/>
+          <a:stretch>
+            <a:fillRect/>
+          </a:stretch>
+        </p:blipFill>
+        <p:spPr>
+          <a:xfrm>
+            <a:off x="1024128" y="5672328"/>
+            <a:ext cx="6019800" cy="838200"/>
+          </a:xfrm>
+          <a:prstGeom prst="rect">
+            <a:avLst/>
+          </a:prstGeom>
+        </p:spPr>
+      </p:pic>
+    </p:spTree>
+    <p:extLst>
+      <p:ext uri="{BB962C8B-B14F-4D97-AF65-F5344CB8AC3E}">
+        <p14:creationId xmlns:p14="http://schemas.microsoft.com/office/powerpoint/2010/main" val="1081976830"/>
+      </p:ext>
+    </p:extLst>
+  </p:cSld>
+  <p:clrMapOvr>
+    <a:masterClrMapping/>
+  </p:clrMapOvr>
+</p:sld>
+</file>
+
+<file path=ppt/slides/slide137.xml><?xml version="1.0" encoding="utf-8"?>
+<p:sld xmlns:a="http://schemas.openxmlformats.org/drawingml/2006/main" xmlns:r="http://schemas.openxmlformats.org/officeDocument/2006/relationships" xmlns:p="http://schemas.openxmlformats.org/presentationml/2006/main">
+  <p:cSld>
+    <p:spTree>
+      <p:nvGrpSpPr>
+        <p:cNvPr id="1" name=""/>
+        <p:cNvGrpSpPr/>
+        <p:nvPr/>
+      </p:nvGrpSpPr>
+      <p:grpSpPr>
+        <a:xfrm>
+          <a:off x="0" y="0"/>
+          <a:ext cx="0" cy="0"/>
+          <a:chOff x="0" y="0"/>
+          <a:chExt cx="0" cy="0"/>
+        </a:xfrm>
+      </p:grpSpPr>
+      <p:sp>
+        <p:nvSpPr>
+          <p:cNvPr id="2" name="Title 1">
+            <a:extLst>
+              <a:ext uri="{FF2B5EF4-FFF2-40B4-BE49-F238E27FC236}">
+                <a16:creationId xmlns:a16="http://schemas.microsoft.com/office/drawing/2014/main" id="{C9F33B86-5A32-4E4E-12A6-D79FAC7DCFEA}"/>
+              </a:ext>
+            </a:extLst>
+          </p:cNvPr>
+          <p:cNvSpPr>
+            <a:spLocks noGrp="1"/>
+          </p:cNvSpPr>
+          <p:nvPr>
+            <p:ph type="title"/>
+          </p:nvPr>
+        </p:nvSpPr>
+        <p:spPr/>
+        <p:txBody>
+          <a:bodyPr/>
+          <a:lstStyle/>
+          <a:p>
+            <a:r>
+              <a:rPr lang="en-US" dirty="0"/>
+              <a:t> </a:t>
+            </a:r>
+            <a:endParaRPr lang="en-NL" dirty="0"/>
+          </a:p>
+        </p:txBody>
+      </p:sp>
+      <p:sp>
+        <p:nvSpPr>
+          <p:cNvPr id="3" name="Content Placeholder 2">
+            <a:extLst>
+              <a:ext uri="{FF2B5EF4-FFF2-40B4-BE49-F238E27FC236}">
+                <a16:creationId xmlns:a16="http://schemas.microsoft.com/office/drawing/2014/main" id="{21E006C1-BB67-50A1-8EDC-DEA634FE4113}"/>
+              </a:ext>
+            </a:extLst>
+          </p:cNvPr>
+          <p:cNvSpPr>
+            <a:spLocks noGrp="1"/>
+          </p:cNvSpPr>
+          <p:nvPr>
+            <p:ph idx="1"/>
+          </p:nvPr>
+        </p:nvSpPr>
+        <p:spPr>
+          <a:xfrm>
+            <a:off x="1024128" y="795130"/>
+            <a:ext cx="6141985" cy="5514230"/>
+          </a:xfrm>
+        </p:spPr>
+        <p:txBody>
+          <a:bodyPr/>
+          <a:lstStyle/>
+          <a:p>
+            <a:r>
+              <a:rPr lang="en-US" dirty="0"/>
+              <a:t>The floor plan type, photo processing type, and finance services type are all short text descriptors that describe the particular store. These should not be one-character codes but rather should be 10- to 20-character descriptors that make sense when viewed in a pull-down filter list or used as a report label. </a:t>
+            </a:r>
+          </a:p>
+          <a:p>
+            <a:r>
+              <a:rPr lang="en-US" dirty="0"/>
+              <a:t>The column describing selling square footage is numeric and theoretically additive across stores. You might be tempted to place it in the fact table. However, it is clearly a constant attribute of a store and is used as a constraint or label more often than it is used as an additive element in a summation. For these reasons, selling square footage belongs in the store dimension table.</a:t>
+            </a:r>
+            <a:endParaRPr lang="en-NL" dirty="0"/>
+          </a:p>
+        </p:txBody>
+      </p:sp>
+      <p:pic>
+        <p:nvPicPr>
+          <p:cNvPr id="5" name="Picture 4">
+            <a:extLst>
+              <a:ext uri="{FF2B5EF4-FFF2-40B4-BE49-F238E27FC236}">
+                <a16:creationId xmlns:a16="http://schemas.microsoft.com/office/drawing/2014/main" id="{B7E9DE39-E484-00F5-733C-0446DA0EE634}"/>
+              </a:ext>
+            </a:extLst>
+          </p:cNvPr>
+          <p:cNvPicPr>
+            <a:picLocks noChangeAspect="1"/>
+          </p:cNvPicPr>
+          <p:nvPr/>
+        </p:nvPicPr>
+        <p:blipFill>
+          <a:blip r:embed="rId2"/>
+          <a:stretch>
+            <a:fillRect/>
+          </a:stretch>
+        </p:blipFill>
+        <p:spPr>
+          <a:xfrm>
+            <a:off x="7473812" y="795129"/>
+            <a:ext cx="3439132" cy="5247861"/>
+          </a:xfrm>
+          <a:prstGeom prst="rect">
+            <a:avLst/>
+          </a:prstGeom>
+        </p:spPr>
+      </p:pic>
+    </p:spTree>
+    <p:extLst>
+      <p:ext uri="{BB962C8B-B14F-4D97-AF65-F5344CB8AC3E}">
+        <p14:creationId xmlns:p14="http://schemas.microsoft.com/office/powerpoint/2010/main" val="1896542082"/>
+      </p:ext>
+    </p:extLst>
+  </p:cSld>
+  <p:clrMapOvr>
+    <a:masterClrMapping/>
+  </p:clrMapOvr>
+</p:sld>
+</file>
+
+<file path=ppt/slides/slide138.xml><?xml version="1.0" encoding="utf-8"?>
+<p:sld xmlns:a="http://schemas.openxmlformats.org/drawingml/2006/main" xmlns:r="http://schemas.openxmlformats.org/officeDocument/2006/relationships" xmlns:p="http://schemas.openxmlformats.org/presentationml/2006/main">
+  <p:cSld>
+    <p:spTree>
+      <p:nvGrpSpPr>
+        <p:cNvPr id="1" name=""/>
+        <p:cNvGrpSpPr/>
+        <p:nvPr/>
+      </p:nvGrpSpPr>
+      <p:grpSpPr>
+        <a:xfrm>
+          <a:off x="0" y="0"/>
+          <a:ext cx="0" cy="0"/>
+          <a:chOff x="0" y="0"/>
+          <a:chExt cx="0" cy="0"/>
+        </a:xfrm>
+      </p:grpSpPr>
+      <p:sp>
+        <p:nvSpPr>
+          <p:cNvPr id="2" name="Title 1">
+            <a:extLst>
+              <a:ext uri="{FF2B5EF4-FFF2-40B4-BE49-F238E27FC236}">
+                <a16:creationId xmlns:a16="http://schemas.microsoft.com/office/drawing/2014/main" id="{86619741-35CE-95C6-F0EC-60378AED98F4}"/>
+              </a:ext>
+            </a:extLst>
+          </p:cNvPr>
+          <p:cNvSpPr>
+            <a:spLocks noGrp="1"/>
+          </p:cNvSpPr>
+          <p:nvPr>
+            <p:ph type="title"/>
+          </p:nvPr>
+        </p:nvSpPr>
+        <p:spPr/>
+        <p:txBody>
+          <a:bodyPr/>
+          <a:lstStyle/>
+          <a:p>
+            <a:r>
+              <a:rPr lang="nl-NL" dirty="0"/>
+              <a:t>Dates Within Dimension Tables</a:t>
+            </a:r>
+            <a:endParaRPr lang="en-NL" dirty="0"/>
+          </a:p>
+        </p:txBody>
+      </p:sp>
+      <p:sp>
+        <p:nvSpPr>
+          <p:cNvPr id="3" name="Content Placeholder 2">
+            <a:extLst>
+              <a:ext uri="{FF2B5EF4-FFF2-40B4-BE49-F238E27FC236}">
+                <a16:creationId xmlns:a16="http://schemas.microsoft.com/office/drawing/2014/main" id="{A786FF25-FC17-D534-8F04-CB4DCC6E4637}"/>
+              </a:ext>
+            </a:extLst>
+          </p:cNvPr>
+          <p:cNvSpPr>
+            <a:spLocks noGrp="1"/>
+          </p:cNvSpPr>
+          <p:nvPr>
+            <p:ph idx="1"/>
+          </p:nvPr>
+        </p:nvSpPr>
+        <p:spPr/>
+        <p:txBody>
+          <a:bodyPr/>
+          <a:lstStyle/>
+          <a:p>
+            <a:r>
+              <a:rPr lang="en-US" dirty="0"/>
+              <a:t>The first open date and last remodel date in the store dimension could be date type columns. However, if users want to group and constrain on nonstandard calendar attributes (like the open date’s fiscal period), then they are typically join keys to copies of the date dimension table. These date dimension copies are declared in SQL by the view construct and are semantically distinct from the primary date dimension. The view declaration would look like the following:</a:t>
+            </a:r>
+            <a:endParaRPr lang="en-NL" dirty="0"/>
+          </a:p>
+        </p:txBody>
+      </p:sp>
+      <p:pic>
+        <p:nvPicPr>
+          <p:cNvPr id="5" name="Picture 4">
+            <a:extLst>
+              <a:ext uri="{FF2B5EF4-FFF2-40B4-BE49-F238E27FC236}">
+                <a16:creationId xmlns:a16="http://schemas.microsoft.com/office/drawing/2014/main" id="{BA13DE8B-42FF-1740-36DB-180ACE83223F}"/>
+              </a:ext>
+            </a:extLst>
+          </p:cNvPr>
+          <p:cNvPicPr>
+            <a:picLocks noChangeAspect="1"/>
+          </p:cNvPicPr>
+          <p:nvPr/>
+        </p:nvPicPr>
+        <p:blipFill>
+          <a:blip r:embed="rId2"/>
+          <a:stretch>
+            <a:fillRect/>
+          </a:stretch>
+        </p:blipFill>
+        <p:spPr>
+          <a:xfrm>
+            <a:off x="1024128" y="4501182"/>
+            <a:ext cx="10097408" cy="1499615"/>
+          </a:xfrm>
+          <a:prstGeom prst="rect">
+            <a:avLst/>
+          </a:prstGeom>
+        </p:spPr>
+      </p:pic>
+    </p:spTree>
+    <p:extLst>
+      <p:ext uri="{BB962C8B-B14F-4D97-AF65-F5344CB8AC3E}">
+        <p14:creationId xmlns:p14="http://schemas.microsoft.com/office/powerpoint/2010/main" val="1787964532"/>
+      </p:ext>
+    </p:extLst>
+  </p:cSld>
+  <p:clrMapOvr>
+    <a:masterClrMapping/>
+  </p:clrMapOvr>
+</p:sld>
+</file>
+
+<file path=ppt/slides/slide139.xml><?xml version="1.0" encoding="utf-8"?>
+<p:sld xmlns:a="http://schemas.openxmlformats.org/drawingml/2006/main" xmlns:r="http://schemas.openxmlformats.org/officeDocument/2006/relationships" xmlns:p="http://schemas.openxmlformats.org/presentationml/2006/main">
+  <p:cSld>
+    <p:spTree>
+      <p:nvGrpSpPr>
+        <p:cNvPr id="1" name=""/>
+        <p:cNvGrpSpPr/>
+        <p:nvPr/>
+      </p:nvGrpSpPr>
+      <p:grpSpPr>
+        <a:xfrm>
+          <a:off x="0" y="0"/>
+          <a:ext cx="0" cy="0"/>
+          <a:chOff x="0" y="0"/>
+          <a:chExt cx="0" cy="0"/>
+        </a:xfrm>
+      </p:grpSpPr>
+      <p:sp>
+        <p:nvSpPr>
+          <p:cNvPr id="2" name="Title 1">
+            <a:extLst>
+              <a:ext uri="{FF2B5EF4-FFF2-40B4-BE49-F238E27FC236}">
+                <a16:creationId xmlns:a16="http://schemas.microsoft.com/office/drawing/2014/main" id="{A0466974-6B09-7B5E-E447-B4D7BB45732A}"/>
+              </a:ext>
+            </a:extLst>
+          </p:cNvPr>
+          <p:cNvSpPr>
+            <a:spLocks noGrp="1"/>
+          </p:cNvSpPr>
+          <p:nvPr>
+            <p:ph type="title"/>
+          </p:nvPr>
+        </p:nvSpPr>
+        <p:spPr/>
+        <p:txBody>
+          <a:bodyPr/>
+          <a:lstStyle/>
+          <a:p>
+            <a:r>
+              <a:rPr lang="nl-NL" dirty="0"/>
+              <a:t>Dates Within Dimension Tables</a:t>
+            </a:r>
+            <a:endParaRPr lang="en-NL" dirty="0"/>
+          </a:p>
+        </p:txBody>
+      </p:sp>
+      <p:sp>
+        <p:nvSpPr>
+          <p:cNvPr id="3" name="Content Placeholder 2">
+            <a:extLst>
+              <a:ext uri="{FF2B5EF4-FFF2-40B4-BE49-F238E27FC236}">
+                <a16:creationId xmlns:a16="http://schemas.microsoft.com/office/drawing/2014/main" id="{AE6F7231-0C16-8DE1-CB23-1E711C5F835E}"/>
+              </a:ext>
+            </a:extLst>
+          </p:cNvPr>
+          <p:cNvSpPr>
+            <a:spLocks noGrp="1"/>
+          </p:cNvSpPr>
+          <p:nvPr>
+            <p:ph idx="1"/>
+          </p:nvPr>
+        </p:nvSpPr>
+        <p:spPr/>
+        <p:txBody>
+          <a:bodyPr>
+            <a:normAutofit/>
+          </a:bodyPr>
+          <a:lstStyle/>
+          <a:p>
+            <a:r>
+              <a:rPr lang="en-US" dirty="0"/>
+              <a:t>Now the system acts as if there is another physical copy of the date dimension table called FIRST_OPEN_DATE. Constraints on this new date table have nothing to do with constraints on the primary date dimension joined to the fact table. </a:t>
+            </a:r>
+          </a:p>
+          <a:p>
+            <a:r>
+              <a:rPr lang="en-US" dirty="0"/>
+              <a:t>The first open date view is a permissible outrigger to the store dimension. Notice we have carefully relabeled all the columns in the view so they cannot be confused with columns from the primary date dimension. These distinct logical views on a single physical date dimension are an example of dimension role playing.</a:t>
+            </a:r>
+            <a:endParaRPr lang="en-NL" dirty="0"/>
+          </a:p>
+        </p:txBody>
+      </p:sp>
+    </p:spTree>
+    <p:extLst>
+      <p:ext uri="{BB962C8B-B14F-4D97-AF65-F5344CB8AC3E}">
+        <p14:creationId xmlns:p14="http://schemas.microsoft.com/office/powerpoint/2010/main" val="1959032424"/>
+      </p:ext>
+    </p:extLst>
+  </p:cSld>
+  <p:clrMapOvr>
+    <a:masterClrMapping/>
+  </p:clrMapOvr>
+</p:sld>
+</file>
+
 <file path=ppt/slides/slide14.xml><?xml version="1.0" encoding="utf-8"?>
 <p:sld xmlns:a="http://schemas.openxmlformats.org/drawingml/2006/main" xmlns:r="http://schemas.openxmlformats.org/officeDocument/2006/relationships" xmlns:p="http://schemas.openxmlformats.org/presentationml/2006/main">
   <p:cSld>
@@ -25123,6 +26284,674 @@
     <p:extLst>
       <p:ext uri="{BB962C8B-B14F-4D97-AF65-F5344CB8AC3E}">
         <p14:creationId xmlns:p14="http://schemas.microsoft.com/office/powerpoint/2010/main" val="2919617712"/>
+      </p:ext>
+    </p:extLst>
+  </p:cSld>
+  <p:clrMapOvr>
+    <a:masterClrMapping/>
+  </p:clrMapOvr>
+</p:sld>
+</file>
+
+<file path=ppt/slides/slide140.xml><?xml version="1.0" encoding="utf-8"?>
+<p:sld xmlns:a="http://schemas.openxmlformats.org/drawingml/2006/main" xmlns:r="http://schemas.openxmlformats.org/officeDocument/2006/relationships" xmlns:p="http://schemas.openxmlformats.org/presentationml/2006/main">
+  <p:cSld>
+    <p:spTree>
+      <p:nvGrpSpPr>
+        <p:cNvPr id="1" name=""/>
+        <p:cNvGrpSpPr/>
+        <p:nvPr/>
+      </p:nvGrpSpPr>
+      <p:grpSpPr>
+        <a:xfrm>
+          <a:off x="0" y="0"/>
+          <a:ext cx="0" cy="0"/>
+          <a:chOff x="0" y="0"/>
+          <a:chExt cx="0" cy="0"/>
+        </a:xfrm>
+      </p:grpSpPr>
+      <p:sp>
+        <p:nvSpPr>
+          <p:cNvPr id="2" name="Title 1">
+            <a:extLst>
+              <a:ext uri="{FF2B5EF4-FFF2-40B4-BE49-F238E27FC236}">
+                <a16:creationId xmlns:a16="http://schemas.microsoft.com/office/drawing/2014/main" id="{2EB9287F-42EC-1665-FF81-FD091CAF72C1}"/>
+              </a:ext>
+            </a:extLst>
+          </p:cNvPr>
+          <p:cNvSpPr>
+            <a:spLocks noGrp="1"/>
+          </p:cNvSpPr>
+          <p:nvPr>
+            <p:ph type="title"/>
+          </p:nvPr>
+        </p:nvSpPr>
+        <p:spPr/>
+        <p:txBody>
+          <a:bodyPr/>
+          <a:lstStyle/>
+          <a:p>
+            <a:endParaRPr lang="en-NL"/>
+          </a:p>
+        </p:txBody>
+      </p:sp>
+      <p:sp>
+        <p:nvSpPr>
+          <p:cNvPr id="3" name="Content Placeholder 2">
+            <a:extLst>
+              <a:ext uri="{FF2B5EF4-FFF2-40B4-BE49-F238E27FC236}">
+                <a16:creationId xmlns:a16="http://schemas.microsoft.com/office/drawing/2014/main" id="{860FCA53-AF68-A4D2-3B92-9E849D2D2E48}"/>
+              </a:ext>
+            </a:extLst>
+          </p:cNvPr>
+          <p:cNvSpPr>
+            <a:spLocks noGrp="1"/>
+          </p:cNvSpPr>
+          <p:nvPr>
+            <p:ph idx="1"/>
+          </p:nvPr>
+        </p:nvSpPr>
+        <p:spPr/>
+        <p:txBody>
+          <a:bodyPr/>
+          <a:lstStyle/>
+          <a:p>
+            <a:endParaRPr lang="en-NL"/>
+          </a:p>
+        </p:txBody>
+      </p:sp>
+    </p:spTree>
+    <p:extLst>
+      <p:ext uri="{BB962C8B-B14F-4D97-AF65-F5344CB8AC3E}">
+        <p14:creationId xmlns:p14="http://schemas.microsoft.com/office/powerpoint/2010/main" val="687251042"/>
+      </p:ext>
+    </p:extLst>
+  </p:cSld>
+  <p:clrMapOvr>
+    <a:masterClrMapping/>
+  </p:clrMapOvr>
+</p:sld>
+</file>
+
+<file path=ppt/slides/slide141.xml><?xml version="1.0" encoding="utf-8"?>
+<p:sld xmlns:a="http://schemas.openxmlformats.org/drawingml/2006/main" xmlns:r="http://schemas.openxmlformats.org/officeDocument/2006/relationships" xmlns:p="http://schemas.openxmlformats.org/presentationml/2006/main">
+  <p:cSld>
+    <p:spTree>
+      <p:nvGrpSpPr>
+        <p:cNvPr id="1" name=""/>
+        <p:cNvGrpSpPr/>
+        <p:nvPr/>
+      </p:nvGrpSpPr>
+      <p:grpSpPr>
+        <a:xfrm>
+          <a:off x="0" y="0"/>
+          <a:ext cx="0" cy="0"/>
+          <a:chOff x="0" y="0"/>
+          <a:chExt cx="0" cy="0"/>
+        </a:xfrm>
+      </p:grpSpPr>
+      <p:sp>
+        <p:nvSpPr>
+          <p:cNvPr id="2" name="Title 1">
+            <a:extLst>
+              <a:ext uri="{FF2B5EF4-FFF2-40B4-BE49-F238E27FC236}">
+                <a16:creationId xmlns:a16="http://schemas.microsoft.com/office/drawing/2014/main" id="{B2B4DE6E-3049-D4DF-FE22-4B7E4A0041AB}"/>
+              </a:ext>
+            </a:extLst>
+          </p:cNvPr>
+          <p:cNvSpPr>
+            <a:spLocks noGrp="1"/>
+          </p:cNvSpPr>
+          <p:nvPr>
+            <p:ph type="title"/>
+          </p:nvPr>
+        </p:nvSpPr>
+        <p:spPr/>
+        <p:txBody>
+          <a:bodyPr/>
+          <a:lstStyle/>
+          <a:p>
+            <a:r>
+              <a:rPr lang="en-US" dirty="0"/>
+              <a:t>Retail schema</a:t>
+            </a:r>
+            <a:endParaRPr lang="en-NL" dirty="0"/>
+          </a:p>
+        </p:txBody>
+      </p:sp>
+      <p:sp>
+        <p:nvSpPr>
+          <p:cNvPr id="3" name="Content Placeholder 2">
+            <a:extLst>
+              <a:ext uri="{FF2B5EF4-FFF2-40B4-BE49-F238E27FC236}">
+                <a16:creationId xmlns:a16="http://schemas.microsoft.com/office/drawing/2014/main" id="{0F60A3BF-366C-43CB-1A09-24D943460273}"/>
+              </a:ext>
+            </a:extLst>
+          </p:cNvPr>
+          <p:cNvSpPr>
+            <a:spLocks noGrp="1"/>
+          </p:cNvSpPr>
+          <p:nvPr>
+            <p:ph idx="1"/>
+          </p:nvPr>
+        </p:nvSpPr>
+        <p:spPr/>
+        <p:txBody>
+          <a:bodyPr/>
+          <a:lstStyle/>
+          <a:p>
+            <a:endParaRPr lang="en-NL"/>
+          </a:p>
+        </p:txBody>
+      </p:sp>
+      <p:pic>
+        <p:nvPicPr>
+          <p:cNvPr id="5" name="Picture 4">
+            <a:extLst>
+              <a:ext uri="{FF2B5EF4-FFF2-40B4-BE49-F238E27FC236}">
+                <a16:creationId xmlns:a16="http://schemas.microsoft.com/office/drawing/2014/main" id="{2314A933-974D-5B99-9759-98D464BE47C9}"/>
+              </a:ext>
+            </a:extLst>
+          </p:cNvPr>
+          <p:cNvPicPr>
+            <a:picLocks noChangeAspect="1"/>
+          </p:cNvPicPr>
+          <p:nvPr/>
+        </p:nvPicPr>
+        <p:blipFill>
+          <a:blip r:embed="rId2"/>
+          <a:stretch>
+            <a:fillRect/>
+          </a:stretch>
+        </p:blipFill>
+        <p:spPr>
+          <a:xfrm>
+            <a:off x="1024128" y="1961529"/>
+            <a:ext cx="7662672" cy="4492733"/>
+          </a:xfrm>
+          <a:prstGeom prst="rect">
+            <a:avLst/>
+          </a:prstGeom>
+        </p:spPr>
+      </p:pic>
+    </p:spTree>
+    <p:extLst>
+      <p:ext uri="{BB962C8B-B14F-4D97-AF65-F5344CB8AC3E}">
+        <p14:creationId xmlns:p14="http://schemas.microsoft.com/office/powerpoint/2010/main" val="1481520977"/>
+      </p:ext>
+    </p:extLst>
+  </p:cSld>
+  <p:clrMapOvr>
+    <a:masterClrMapping/>
+  </p:clrMapOvr>
+</p:sld>
+</file>
+
+<file path=ppt/slides/slide142.xml><?xml version="1.0" encoding="utf-8"?>
+<p:sld xmlns:a="http://schemas.openxmlformats.org/drawingml/2006/main" xmlns:r="http://schemas.openxmlformats.org/officeDocument/2006/relationships" xmlns:p="http://schemas.openxmlformats.org/presentationml/2006/main">
+  <p:cSld>
+    <p:spTree>
+      <p:nvGrpSpPr>
+        <p:cNvPr id="1" name=""/>
+        <p:cNvGrpSpPr/>
+        <p:nvPr/>
+      </p:nvGrpSpPr>
+      <p:grpSpPr>
+        <a:xfrm>
+          <a:off x="0" y="0"/>
+          <a:ext cx="0" cy="0"/>
+          <a:chOff x="0" y="0"/>
+          <a:chExt cx="0" cy="0"/>
+        </a:xfrm>
+      </p:grpSpPr>
+      <p:sp>
+        <p:nvSpPr>
+          <p:cNvPr id="2" name="Title 1">
+            <a:extLst>
+              <a:ext uri="{FF2B5EF4-FFF2-40B4-BE49-F238E27FC236}">
+                <a16:creationId xmlns:a16="http://schemas.microsoft.com/office/drawing/2014/main" id="{5F2D9752-3A6D-0C73-88D7-9D98C81FFEEB}"/>
+              </a:ext>
+            </a:extLst>
+          </p:cNvPr>
+          <p:cNvSpPr>
+            <a:spLocks noGrp="1"/>
+          </p:cNvSpPr>
+          <p:nvPr>
+            <p:ph type="title"/>
+          </p:nvPr>
+        </p:nvSpPr>
+        <p:spPr/>
+        <p:txBody>
+          <a:bodyPr/>
+          <a:lstStyle/>
+          <a:p>
+            <a:r>
+              <a:rPr lang="en-US" dirty="0"/>
+              <a:t>Query results</a:t>
+            </a:r>
+            <a:endParaRPr lang="en-NL" dirty="0"/>
+          </a:p>
+        </p:txBody>
+      </p:sp>
+      <p:sp>
+        <p:nvSpPr>
+          <p:cNvPr id="3" name="Content Placeholder 2">
+            <a:extLst>
+              <a:ext uri="{FF2B5EF4-FFF2-40B4-BE49-F238E27FC236}">
+                <a16:creationId xmlns:a16="http://schemas.microsoft.com/office/drawing/2014/main" id="{0B056A18-01E4-1122-BEA3-EB1965AD5D9C}"/>
+              </a:ext>
+            </a:extLst>
+          </p:cNvPr>
+          <p:cNvSpPr>
+            <a:spLocks noGrp="1"/>
+          </p:cNvSpPr>
+          <p:nvPr>
+            <p:ph idx="1"/>
+          </p:nvPr>
+        </p:nvSpPr>
+        <p:spPr/>
+        <p:txBody>
+          <a:bodyPr/>
+          <a:lstStyle/>
+          <a:p>
+            <a:endParaRPr lang="en-NL"/>
+          </a:p>
+        </p:txBody>
+      </p:sp>
+      <p:pic>
+        <p:nvPicPr>
+          <p:cNvPr id="5" name="Picture 4">
+            <a:extLst>
+              <a:ext uri="{FF2B5EF4-FFF2-40B4-BE49-F238E27FC236}">
+                <a16:creationId xmlns:a16="http://schemas.microsoft.com/office/drawing/2014/main" id="{4125FDEC-DC9C-B56A-B885-2551C904B716}"/>
+              </a:ext>
+            </a:extLst>
+          </p:cNvPr>
+          <p:cNvPicPr>
+            <a:picLocks noChangeAspect="1"/>
+          </p:cNvPicPr>
+          <p:nvPr/>
+        </p:nvPicPr>
+        <p:blipFill>
+          <a:blip r:embed="rId2"/>
+          <a:stretch>
+            <a:fillRect/>
+          </a:stretch>
+        </p:blipFill>
+        <p:spPr>
+          <a:xfrm>
+            <a:off x="1135546" y="2285999"/>
+            <a:ext cx="7034902" cy="3419061"/>
+          </a:xfrm>
+          <a:prstGeom prst="rect">
+            <a:avLst/>
+          </a:prstGeom>
+        </p:spPr>
+      </p:pic>
+    </p:spTree>
+    <p:extLst>
+      <p:ext uri="{BB962C8B-B14F-4D97-AF65-F5344CB8AC3E}">
+        <p14:creationId xmlns:p14="http://schemas.microsoft.com/office/powerpoint/2010/main" val="3235229624"/>
+      </p:ext>
+    </p:extLst>
+  </p:cSld>
+  <p:clrMapOvr>
+    <a:masterClrMapping/>
+  </p:clrMapOvr>
+</p:sld>
+</file>
+
+<file path=ppt/slides/slide143.xml><?xml version="1.0" encoding="utf-8"?>
+<p:sld xmlns:a="http://schemas.openxmlformats.org/drawingml/2006/main" xmlns:r="http://schemas.openxmlformats.org/officeDocument/2006/relationships" xmlns:p="http://schemas.openxmlformats.org/presentationml/2006/main">
+  <p:cSld>
+    <p:spTree>
+      <p:nvGrpSpPr>
+        <p:cNvPr id="1" name=""/>
+        <p:cNvGrpSpPr/>
+        <p:nvPr/>
+      </p:nvGrpSpPr>
+      <p:grpSpPr>
+        <a:xfrm>
+          <a:off x="0" y="0"/>
+          <a:ext cx="0" cy="0"/>
+          <a:chOff x="0" y="0"/>
+          <a:chExt cx="0" cy="0"/>
+        </a:xfrm>
+      </p:grpSpPr>
+      <p:sp>
+        <p:nvSpPr>
+          <p:cNvPr id="2" name="Title 1">
+            <a:extLst>
+              <a:ext uri="{FF2B5EF4-FFF2-40B4-BE49-F238E27FC236}">
+                <a16:creationId xmlns:a16="http://schemas.microsoft.com/office/drawing/2014/main" id="{5812018E-D6F6-DA94-87BE-B1C22262F58B}"/>
+              </a:ext>
+            </a:extLst>
+          </p:cNvPr>
+          <p:cNvSpPr>
+            <a:spLocks noGrp="1"/>
+          </p:cNvSpPr>
+          <p:nvPr>
+            <p:ph type="title"/>
+          </p:nvPr>
+        </p:nvSpPr>
+        <p:spPr/>
+        <p:txBody>
+          <a:bodyPr/>
+          <a:lstStyle/>
+          <a:p>
+            <a:r>
+              <a:rPr lang="nl-NL" dirty="0"/>
+              <a:t>Factless Fact Tables</a:t>
+            </a:r>
+            <a:endParaRPr lang="en-NL" dirty="0"/>
+          </a:p>
+        </p:txBody>
+      </p:sp>
+      <p:sp>
+        <p:nvSpPr>
+          <p:cNvPr id="3" name="Content Placeholder 2">
+            <a:extLst>
+              <a:ext uri="{FF2B5EF4-FFF2-40B4-BE49-F238E27FC236}">
+                <a16:creationId xmlns:a16="http://schemas.microsoft.com/office/drawing/2014/main" id="{AE8E72F7-443B-7F32-8AC8-C6F13B7D50D3}"/>
+              </a:ext>
+            </a:extLst>
+          </p:cNvPr>
+          <p:cNvSpPr>
+            <a:spLocks noGrp="1"/>
+          </p:cNvSpPr>
+          <p:nvPr>
+            <p:ph idx="1"/>
+          </p:nvPr>
+        </p:nvSpPr>
+        <p:spPr/>
+        <p:txBody>
+          <a:bodyPr/>
+          <a:lstStyle/>
+          <a:p>
+            <a:r>
+              <a:rPr lang="en-US" dirty="0"/>
+              <a:t>There is one important question that cannot be answered by the previous retail sales schema: What products were on promotion but did not sell? The sales fact table records only the SKUs actually sold. There are no fact table rows with zero facts for SKUs that didn’t sell because doing so would enlarge the fact table enormously. </a:t>
+            </a:r>
+          </a:p>
+          <a:p>
+            <a:r>
+              <a:rPr lang="en-US" dirty="0"/>
+              <a:t>In the relational world, a promotion coverage or event fact table is needed to answer the question concerning what didn’t happen. The promotion coverage fact table keys would be date, product, store, and promotion in this case study. This obviously looks similar to the sales fact table you just designed; however, the grain would be significantly different. In the case of the promotion coverage fact table, you’d load one row for each product on promotion in a store each day (or week, if retail promotions are a week in duration) regardless of whether the product sold.</a:t>
+            </a:r>
+            <a:endParaRPr lang="en-NL" dirty="0"/>
+          </a:p>
+        </p:txBody>
+      </p:sp>
+    </p:spTree>
+    <p:extLst>
+      <p:ext uri="{BB962C8B-B14F-4D97-AF65-F5344CB8AC3E}">
+        <p14:creationId xmlns:p14="http://schemas.microsoft.com/office/powerpoint/2010/main" val="306767602"/>
+      </p:ext>
+    </p:extLst>
+  </p:cSld>
+  <p:clrMapOvr>
+    <a:masterClrMapping/>
+  </p:clrMapOvr>
+</p:sld>
+</file>
+
+<file path=ppt/slides/slide144.xml><?xml version="1.0" encoding="utf-8"?>
+<p:sld xmlns:a="http://schemas.openxmlformats.org/drawingml/2006/main" xmlns:r="http://schemas.openxmlformats.org/officeDocument/2006/relationships" xmlns:p="http://schemas.openxmlformats.org/presentationml/2006/main">
+  <p:cSld>
+    <p:spTree>
+      <p:nvGrpSpPr>
+        <p:cNvPr id="1" name=""/>
+        <p:cNvGrpSpPr/>
+        <p:nvPr/>
+      </p:nvGrpSpPr>
+      <p:grpSpPr>
+        <a:xfrm>
+          <a:off x="0" y="0"/>
+          <a:ext cx="0" cy="0"/>
+          <a:chOff x="0" y="0"/>
+          <a:chExt cx="0" cy="0"/>
+        </a:xfrm>
+      </p:grpSpPr>
+      <p:sp>
+        <p:nvSpPr>
+          <p:cNvPr id="2" name="Title 1">
+            <a:extLst>
+              <a:ext uri="{FF2B5EF4-FFF2-40B4-BE49-F238E27FC236}">
+                <a16:creationId xmlns:a16="http://schemas.microsoft.com/office/drawing/2014/main" id="{6CBB5F71-9729-A94C-C86A-710B10E13825}"/>
+              </a:ext>
+            </a:extLst>
+          </p:cNvPr>
+          <p:cNvSpPr>
+            <a:spLocks noGrp="1"/>
+          </p:cNvSpPr>
+          <p:nvPr>
+            <p:ph type="title"/>
+          </p:nvPr>
+        </p:nvSpPr>
+        <p:spPr/>
+        <p:txBody>
+          <a:bodyPr/>
+          <a:lstStyle/>
+          <a:p>
+            <a:r>
+              <a:rPr lang="nl-NL" dirty="0"/>
+              <a:t>Resisting Normalization Urges</a:t>
+            </a:r>
+            <a:endParaRPr lang="en-NL" dirty="0"/>
+          </a:p>
+        </p:txBody>
+      </p:sp>
+      <p:sp>
+        <p:nvSpPr>
+          <p:cNvPr id="3" name="Content Placeholder 2">
+            <a:extLst>
+              <a:ext uri="{FF2B5EF4-FFF2-40B4-BE49-F238E27FC236}">
+                <a16:creationId xmlns:a16="http://schemas.microsoft.com/office/drawing/2014/main" id="{11F07761-792F-4C14-31BF-74033CB55585}"/>
+              </a:ext>
+            </a:extLst>
+          </p:cNvPr>
+          <p:cNvSpPr>
+            <a:spLocks noGrp="1"/>
+          </p:cNvSpPr>
+          <p:nvPr>
+            <p:ph idx="1"/>
+          </p:nvPr>
+        </p:nvSpPr>
+        <p:spPr/>
+        <p:txBody>
+          <a:bodyPr/>
+          <a:lstStyle/>
+          <a:p>
+            <a:r>
+              <a:rPr lang="en-US" dirty="0" err="1"/>
+              <a:t>Snowflaked</a:t>
+            </a:r>
+            <a:r>
+              <a:rPr lang="en-US" dirty="0"/>
+              <a:t> product dimension</a:t>
+            </a:r>
+            <a:endParaRPr lang="en-NL" dirty="0"/>
+          </a:p>
+        </p:txBody>
+      </p:sp>
+      <p:pic>
+        <p:nvPicPr>
+          <p:cNvPr id="5" name="Picture 4">
+            <a:extLst>
+              <a:ext uri="{FF2B5EF4-FFF2-40B4-BE49-F238E27FC236}">
+                <a16:creationId xmlns:a16="http://schemas.microsoft.com/office/drawing/2014/main" id="{BA26AFE8-1FB1-E22C-92A5-427E76E31B61}"/>
+              </a:ext>
+            </a:extLst>
+          </p:cNvPr>
+          <p:cNvPicPr>
+            <a:picLocks noChangeAspect="1"/>
+          </p:cNvPicPr>
+          <p:nvPr/>
+        </p:nvPicPr>
+        <p:blipFill>
+          <a:blip r:embed="rId2"/>
+          <a:stretch>
+            <a:fillRect/>
+          </a:stretch>
+        </p:blipFill>
+        <p:spPr>
+          <a:xfrm>
+            <a:off x="1024128" y="2750446"/>
+            <a:ext cx="7046446" cy="3297163"/>
+          </a:xfrm>
+          <a:prstGeom prst="rect">
+            <a:avLst/>
+          </a:prstGeom>
+        </p:spPr>
+      </p:pic>
+    </p:spTree>
+    <p:extLst>
+      <p:ext uri="{BB962C8B-B14F-4D97-AF65-F5344CB8AC3E}">
+        <p14:creationId xmlns:p14="http://schemas.microsoft.com/office/powerpoint/2010/main" val="1553926409"/>
+      </p:ext>
+    </p:extLst>
+  </p:cSld>
+  <p:clrMapOvr>
+    <a:masterClrMapping/>
+  </p:clrMapOvr>
+</p:sld>
+</file>
+
+<file path=ppt/slides/slide145.xml><?xml version="1.0" encoding="utf-8"?>
+<p:sld xmlns:a="http://schemas.openxmlformats.org/drawingml/2006/main" xmlns:r="http://schemas.openxmlformats.org/officeDocument/2006/relationships" xmlns:p="http://schemas.openxmlformats.org/presentationml/2006/main">
+  <p:cSld>
+    <p:spTree>
+      <p:nvGrpSpPr>
+        <p:cNvPr id="1" name=""/>
+        <p:cNvGrpSpPr/>
+        <p:nvPr/>
+      </p:nvGrpSpPr>
+      <p:grpSpPr>
+        <a:xfrm>
+          <a:off x="0" y="0"/>
+          <a:ext cx="0" cy="0"/>
+          <a:chOff x="0" y="0"/>
+          <a:chExt cx="0" cy="0"/>
+        </a:xfrm>
+      </p:grpSpPr>
+      <p:sp>
+        <p:nvSpPr>
+          <p:cNvPr id="2" name="Title 1">
+            <a:extLst>
+              <a:ext uri="{FF2B5EF4-FFF2-40B4-BE49-F238E27FC236}">
+                <a16:creationId xmlns:a16="http://schemas.microsoft.com/office/drawing/2014/main" id="{CB53FFF2-4120-5110-02AB-495DE0EB13EC}"/>
+              </a:ext>
+            </a:extLst>
+          </p:cNvPr>
+          <p:cNvSpPr>
+            <a:spLocks noGrp="1"/>
+          </p:cNvSpPr>
+          <p:nvPr>
+            <p:ph type="title"/>
+          </p:nvPr>
+        </p:nvSpPr>
+        <p:spPr/>
+        <p:txBody>
+          <a:bodyPr/>
+          <a:lstStyle/>
+          <a:p>
+            <a:r>
+              <a:rPr lang="en-US" dirty="0"/>
+              <a:t>Date outrigger</a:t>
+            </a:r>
+            <a:endParaRPr lang="en-NL" dirty="0"/>
+          </a:p>
+        </p:txBody>
+      </p:sp>
+      <p:sp>
+        <p:nvSpPr>
+          <p:cNvPr id="3" name="Content Placeholder 2">
+            <a:extLst>
+              <a:ext uri="{FF2B5EF4-FFF2-40B4-BE49-F238E27FC236}">
+                <a16:creationId xmlns:a16="http://schemas.microsoft.com/office/drawing/2014/main" id="{0606AAD1-3F12-9870-DB60-BA04AC059CE2}"/>
+              </a:ext>
+            </a:extLst>
+          </p:cNvPr>
+          <p:cNvSpPr>
+            <a:spLocks noGrp="1"/>
+          </p:cNvSpPr>
+          <p:nvPr>
+            <p:ph idx="1"/>
+          </p:nvPr>
+        </p:nvSpPr>
+        <p:spPr/>
+        <p:txBody>
+          <a:bodyPr/>
+          <a:lstStyle/>
+          <a:p>
+            <a:endParaRPr lang="en-NL"/>
+          </a:p>
+        </p:txBody>
+      </p:sp>
+      <p:pic>
+        <p:nvPicPr>
+          <p:cNvPr id="5" name="Picture 4">
+            <a:extLst>
+              <a:ext uri="{FF2B5EF4-FFF2-40B4-BE49-F238E27FC236}">
+                <a16:creationId xmlns:a16="http://schemas.microsoft.com/office/drawing/2014/main" id="{F51E71CB-D61B-E5F7-0052-42C5D8F699B6}"/>
+              </a:ext>
+            </a:extLst>
+          </p:cNvPr>
+          <p:cNvPicPr>
+            <a:picLocks noChangeAspect="1"/>
+          </p:cNvPicPr>
+          <p:nvPr/>
+        </p:nvPicPr>
+        <p:blipFill>
+          <a:blip r:embed="rId2"/>
+          <a:stretch>
+            <a:fillRect/>
+          </a:stretch>
+        </p:blipFill>
+        <p:spPr>
+          <a:xfrm>
+            <a:off x="1024128" y="2286000"/>
+            <a:ext cx="6181725" cy="3019425"/>
+          </a:xfrm>
+          <a:prstGeom prst="rect">
+            <a:avLst/>
+          </a:prstGeom>
+        </p:spPr>
+      </p:pic>
+      <p:pic>
+        <p:nvPicPr>
+          <p:cNvPr id="7" name="Picture 6">
+            <a:extLst>
+              <a:ext uri="{FF2B5EF4-FFF2-40B4-BE49-F238E27FC236}">
+                <a16:creationId xmlns:a16="http://schemas.microsoft.com/office/drawing/2014/main" id="{5DA44116-419D-BFA4-D613-994A70706B8B}"/>
+              </a:ext>
+            </a:extLst>
+          </p:cNvPr>
+          <p:cNvPicPr>
+            <a:picLocks noChangeAspect="1"/>
+          </p:cNvPicPr>
+          <p:nvPr/>
+        </p:nvPicPr>
+        <p:blipFill>
+          <a:blip r:embed="rId3"/>
+          <a:stretch>
+            <a:fillRect/>
+          </a:stretch>
+        </p:blipFill>
+        <p:spPr>
+          <a:xfrm>
+            <a:off x="1024128" y="5577078"/>
+            <a:ext cx="6162675" cy="933450"/>
+          </a:xfrm>
+          <a:prstGeom prst="rect">
+            <a:avLst/>
+          </a:prstGeom>
+        </p:spPr>
+      </p:pic>
+    </p:spTree>
+    <p:extLst>
+      <p:ext uri="{BB962C8B-B14F-4D97-AF65-F5344CB8AC3E}">
+        <p14:creationId xmlns:p14="http://schemas.microsoft.com/office/powerpoint/2010/main" val="1588786287"/>
       </p:ext>
     </p:extLst>
   </p:cSld>
